--- a/Documents/Soutenance de projet.pptx
+++ b/Documents/Soutenance de projet.pptx
@@ -209,7 +209,7 @@
           <a:p>
             <a:fld id="{720B0636-6B22-4FFF-BBEB-E5B4294DB68E}" type="datetimeFigureOut">
               <a:rPr lang="fr-FR" smtClean="0"/>
-              <a:t>28/02/2017</a:t>
+              <a:t>05/03/2017</a:t>
             </a:fld>
             <a:endParaRPr lang="fr-FR"/>
           </a:p>
@@ -747,7 +747,7 @@
           <a:p>
             <a:fld id="{72D471DC-97E9-4EF4-A943-586845C8BC51}" type="datetime1">
               <a:rPr lang="fr-FR" smtClean="0"/>
-              <a:t>28/02/2017</a:t>
+              <a:t>05/03/2017</a:t>
             </a:fld>
             <a:endParaRPr lang="fr-FR"/>
           </a:p>
@@ -1022,7 +1022,7 @@
           <a:p>
             <a:fld id="{36FB5FDB-D942-4233-85F6-E674FD3873E2}" type="datetime1">
               <a:rPr lang="fr-FR" smtClean="0"/>
-              <a:t>28/02/2017</a:t>
+              <a:t>05/03/2017</a:t>
             </a:fld>
             <a:endParaRPr lang="fr-FR"/>
           </a:p>
@@ -1216,7 +1216,7 @@
           <a:p>
             <a:fld id="{74AC9523-99B2-4D36-B2DE-76BFA389E768}" type="datetime1">
               <a:rPr lang="fr-FR" smtClean="0"/>
-              <a:t>28/02/2017</a:t>
+              <a:t>05/03/2017</a:t>
             </a:fld>
             <a:endParaRPr lang="fr-FR"/>
           </a:p>
@@ -1489,7 +1489,7 @@
           <a:p>
             <a:fld id="{D3EC9751-7D26-46E7-A8CA-7D49EB74B8A6}" type="datetime1">
               <a:rPr lang="fr-FR" smtClean="0"/>
-              <a:t>28/02/2017</a:t>
+              <a:t>05/03/2017</a:t>
             </a:fld>
             <a:endParaRPr lang="fr-FR"/>
           </a:p>
@@ -1830,7 +1830,7 @@
           <a:p>
             <a:fld id="{7F79E1A5-4BDB-4B22-9C25-862B1083C76A}" type="datetime1">
               <a:rPr lang="fr-FR" smtClean="0"/>
-              <a:t>28/02/2017</a:t>
+              <a:t>05/03/2017</a:t>
             </a:fld>
             <a:endParaRPr lang="fr-FR"/>
           </a:p>
@@ -2453,7 +2453,7 @@
           <a:p>
             <a:fld id="{39FBF3A3-1DE7-4303-A39E-5BFBD09FDACE}" type="datetime1">
               <a:rPr lang="fr-FR" smtClean="0"/>
-              <a:t>28/02/2017</a:t>
+              <a:t>05/03/2017</a:t>
             </a:fld>
             <a:endParaRPr lang="fr-FR"/>
           </a:p>
@@ -3313,7 +3313,7 @@
           <a:p>
             <a:fld id="{313F0069-BFB3-419F-9C77-292C5F88CE5F}" type="datetime1">
               <a:rPr lang="fr-FR" smtClean="0"/>
-              <a:t>28/02/2017</a:t>
+              <a:t>05/03/2017</a:t>
             </a:fld>
             <a:endParaRPr lang="fr-FR"/>
           </a:p>
@@ -3483,7 +3483,7 @@
           <a:p>
             <a:fld id="{ED25E127-8AA2-44A8-B642-E295A78946E5}" type="datetime1">
               <a:rPr lang="fr-FR" smtClean="0"/>
-              <a:t>28/02/2017</a:t>
+              <a:t>05/03/2017</a:t>
             </a:fld>
             <a:endParaRPr lang="fr-FR"/>
           </a:p>
@@ -3663,7 +3663,7 @@
           <a:p>
             <a:fld id="{014B6BA5-353E-4EE0-BC7C-98456B0F9795}" type="datetime1">
               <a:rPr lang="fr-FR" smtClean="0"/>
-              <a:t>28/02/2017</a:t>
+              <a:t>05/03/2017</a:t>
             </a:fld>
             <a:endParaRPr lang="fr-FR"/>
           </a:p>
@@ -3833,7 +3833,7 @@
           <a:p>
             <a:fld id="{4AED3472-AC35-4B67-B7CE-3095BA3D04F2}" type="datetime1">
               <a:rPr lang="fr-FR" smtClean="0"/>
-              <a:t>28/02/2017</a:t>
+              <a:t>05/03/2017</a:t>
             </a:fld>
             <a:endParaRPr lang="fr-FR"/>
           </a:p>
@@ -4080,7 +4080,7 @@
           <a:p>
             <a:fld id="{40D1DC21-874F-4316-B6BB-226090937492}" type="datetime1">
               <a:rPr lang="fr-FR" smtClean="0"/>
-              <a:t>28/02/2017</a:t>
+              <a:t>05/03/2017</a:t>
             </a:fld>
             <a:endParaRPr lang="fr-FR"/>
           </a:p>
@@ -4372,7 +4372,7 @@
           <a:p>
             <a:fld id="{B9C469CC-9D18-4334-8C3D-7D86D6378DBA}" type="datetime1">
               <a:rPr lang="fr-FR" smtClean="0"/>
-              <a:t>28/02/2017</a:t>
+              <a:t>05/03/2017</a:t>
             </a:fld>
             <a:endParaRPr lang="fr-FR"/>
           </a:p>
@@ -4816,7 +4816,7 @@
           <a:p>
             <a:fld id="{21CF6FFB-9705-4404-891E-24B2B52656A1}" type="datetime1">
               <a:rPr lang="fr-FR" smtClean="0"/>
-              <a:t>28/02/2017</a:t>
+              <a:t>05/03/2017</a:t>
             </a:fld>
             <a:endParaRPr lang="fr-FR"/>
           </a:p>
@@ -4934,7 +4934,7 @@
           <a:p>
             <a:fld id="{8F58F90F-5D46-4C71-B875-4425D8CD0B79}" type="datetime1">
               <a:rPr lang="fr-FR" smtClean="0"/>
-              <a:t>28/02/2017</a:t>
+              <a:t>05/03/2017</a:t>
             </a:fld>
             <a:endParaRPr lang="fr-FR"/>
           </a:p>
@@ -5029,7 +5029,7 @@
           <a:p>
             <a:fld id="{88657727-E9CB-4906-9193-AFCAD2D41CDD}" type="datetime1">
               <a:rPr lang="fr-FR" smtClean="0"/>
-              <a:t>28/02/2017</a:t>
+              <a:t>05/03/2017</a:t>
             </a:fld>
             <a:endParaRPr lang="fr-FR"/>
           </a:p>
@@ -5308,7 +5308,7 @@
           <a:p>
             <a:fld id="{C91A6120-DF5F-4394-917E-0234F612269F}" type="datetime1">
               <a:rPr lang="fr-FR" smtClean="0"/>
-              <a:t>28/02/2017</a:t>
+              <a:t>05/03/2017</a:t>
             </a:fld>
             <a:endParaRPr lang="fr-FR"/>
           </a:p>
@@ -5583,7 +5583,7 @@
           <a:p>
             <a:fld id="{A9D52B1A-0A84-4EBB-9F69-A97EBE3994BD}" type="datetime1">
               <a:rPr lang="fr-FR" smtClean="0"/>
-              <a:t>28/02/2017</a:t>
+              <a:t>05/03/2017</a:t>
             </a:fld>
             <a:endParaRPr lang="fr-FR"/>
           </a:p>
@@ -6012,7 +6012,7 @@
           <a:p>
             <a:fld id="{A2E0D1CE-FC45-4BE6-8880-5FC15DF0F0F5}" type="datetime1">
               <a:rPr lang="fr-FR" smtClean="0"/>
-              <a:t>28/02/2017</a:t>
+              <a:t>05/03/2017</a:t>
             </a:fld>
             <a:endParaRPr lang="fr-FR"/>
           </a:p>
@@ -6837,13 +6837,6 @@
             </a:r>
           </a:p>
           <a:p>
-            <a:pPr lvl="1"/>
-            <a:r>
-              <a:rPr lang="fr-FR" sz="2200" dirty="0" smtClean="0"/>
-              <a:t>Projet conséquent</a:t>
-            </a:r>
-          </a:p>
-          <a:p>
             <a:endParaRPr lang="fr-FR" sz="2000" dirty="0"/>
           </a:p>
         </p:txBody>
@@ -7084,9 +7077,10 @@
           <a:p>
             <a:pPr lvl="1"/>
             <a:r>
-              <a:rPr lang="fr-FR" dirty="0" smtClean="0"/>
-              <a:t>mèl</a:t>
-            </a:r>
+              <a:rPr lang="fr-FR" smtClean="0"/>
+              <a:t>Mail</a:t>
+            </a:r>
+            <a:endParaRPr lang="fr-FR" dirty="0" smtClean="0"/>
           </a:p>
           <a:p>
             <a:pPr lvl="1"/>
@@ -7803,11 +7797,7 @@
           <a:p>
             <a:r>
               <a:rPr lang="fr-FR" sz="2400" dirty="0" smtClean="0"/>
-              <a:t>Dans le cadre de notre formation en développement web nous avons du créer un site web utilisant </a:t>
-            </a:r>
-            <a:r>
-              <a:rPr lang="fr-FR" sz="2400" dirty="0" smtClean="0"/>
-              <a:t>:</a:t>
+              <a:t>Dans le cadre de notre formation en développement web nous avons du créer un site web utilisant :</a:t>
             </a:r>
           </a:p>
           <a:p>
@@ -7819,7 +7809,6 @@
               <a:rPr lang="fr-FR" sz="2400" dirty="0" smtClean="0"/>
               <a:t>Une base de données </a:t>
             </a:r>
-            <a:endParaRPr lang="fr-FR" sz="2400" dirty="0" smtClean="0"/>
           </a:p>
           <a:p>
             <a:pPr lvl="1"/>
@@ -7829,11 +7818,7 @@
             <a:pPr lvl="1"/>
             <a:r>
               <a:rPr lang="fr-FR" sz="2400" dirty="0" smtClean="0"/>
-              <a:t>Un affichage </a:t>
-            </a:r>
-            <a:r>
-              <a:rPr lang="fr-FR" sz="2400" dirty="0" smtClean="0"/>
-              <a:t>dynamique</a:t>
+              <a:t>Un affichage dynamique</a:t>
             </a:r>
           </a:p>
           <a:p>
@@ -8111,7 +8096,7 @@
         </p:blipFill>
         <p:spPr>
           <a:xfrm>
-            <a:off x="4041265" y="4013219"/>
+            <a:off x="3963992" y="4026097"/>
             <a:ext cx="2614411" cy="2709553"/>
           </a:xfrm>
           <a:prstGeom prst="rect">
@@ -8293,7 +8278,7 @@
           <p:nvPr>
             <p:extLst>
               <p:ext uri="{D42A27DB-BD31-4B8C-83A1-F6EECF244321}">
-                <p14:modId xmlns:p14="http://schemas.microsoft.com/office/powerpoint/2010/main" val="2632781992"/>
+                <p14:modId xmlns:p14="http://schemas.microsoft.com/office/powerpoint/2010/main" val="2612357896"/>
               </p:ext>
             </p:extLst>
           </p:nvPr>
@@ -8306,7 +8291,7 @@
           <a:graphicData uri="http://schemas.openxmlformats.org/presentationml/2006/ole">
             <mc:AlternateContent xmlns:mc="http://schemas.openxmlformats.org/markup-compatibility/2006">
               <mc:Choice xmlns:v="urn:schemas-microsoft-com:vml" Requires="v">
-                <p:oleObj spid="_x0000_s1027" name="Worksheet" r:id="rId4" imgW="8105871" imgH="1342889" progId="Excel.Sheet.12">
+                <p:oleObj spid="_x0000_s1028" name="Worksheet" r:id="rId4" imgW="8105871" imgH="1342889" progId="Excel.Sheet.12">
                   <p:embed/>
                 </p:oleObj>
               </mc:Choice>

--- a/Documents/Soutenance de projet.pptx
+++ b/Documents/Soutenance de projet.pptx
@@ -7259,41 +7259,24 @@
           <a:p>
             <a:pPr lvl="1"/>
             <a:r>
-              <a:rPr lang="fr-FR" sz="2400" dirty="0"/>
-              <a:t>8</a:t>
-            </a:r>
-            <a:r>
               <a:rPr lang="fr-FR" sz="2400" dirty="0" smtClean="0"/>
-              <a:t>0%</a:t>
+              <a:t>90%</a:t>
             </a:r>
           </a:p>
           <a:p>
             <a:pPr lvl="1"/>
             <a:r>
               <a:rPr lang="fr-FR" sz="2400" dirty="0" smtClean="0"/>
-              <a:t>A terminer :</a:t>
+              <a:t>A développer:</a:t>
             </a:r>
           </a:p>
           <a:p>
             <a:pPr lvl="2"/>
             <a:r>
-              <a:rPr lang="fr-FR" sz="2200" dirty="0" smtClean="0"/>
-              <a:t>Finaliser le graphique du site </a:t>
-            </a:r>
-          </a:p>
-          <a:p>
-            <a:pPr lvl="2"/>
-            <a:r>
-              <a:rPr lang="fr-FR" sz="2200" dirty="0" smtClean="0"/>
-              <a:t>Images</a:t>
-            </a:r>
-          </a:p>
-          <a:p>
-            <a:pPr lvl="2"/>
-            <a:r>
-              <a:rPr lang="fr-FR" sz="2200" dirty="0" smtClean="0"/>
-              <a:t>Mail</a:t>
-            </a:r>
+              <a:rPr lang="fr-FR" sz="2000" dirty="0" smtClean="0"/>
+              <a:t>Partie admin</a:t>
+            </a:r>
+            <a:endParaRPr lang="fr-FR" sz="2000" dirty="0" smtClean="0"/>
           </a:p>
           <a:p>
             <a:pPr lvl="2"/>
@@ -8291,7 +8274,7 @@
           <a:graphicData uri="http://schemas.openxmlformats.org/presentationml/2006/ole">
             <mc:AlternateContent xmlns:mc="http://schemas.openxmlformats.org/markup-compatibility/2006">
               <mc:Choice xmlns:v="urn:schemas-microsoft-com:vml" Requires="v">
-                <p:oleObj spid="_x0000_s1028" name="Worksheet" r:id="rId4" imgW="8105871" imgH="1342889" progId="Excel.Sheet.12">
+                <p:oleObj spid="_x0000_s1030" name="Worksheet" r:id="rId4" imgW="8105871" imgH="1342889" progId="Excel.Sheet.12">
                   <p:embed/>
                 </p:oleObj>
               </mc:Choice>

--- a/Documents/Soutenance de projet.pptx
+++ b/Documents/Soutenance de projet.pptx
@@ -209,7 +209,7 @@
           <a:p>
             <a:fld id="{720B0636-6B22-4FFF-BBEB-E5B4294DB68E}" type="datetimeFigureOut">
               <a:rPr lang="fr-FR" smtClean="0"/>
-              <a:t>05/03/2017</a:t>
+              <a:t>06/03/2017</a:t>
             </a:fld>
             <a:endParaRPr lang="fr-FR"/>
           </a:p>
@@ -747,7 +747,7 @@
           <a:p>
             <a:fld id="{72D471DC-97E9-4EF4-A943-586845C8BC51}" type="datetime1">
               <a:rPr lang="fr-FR" smtClean="0"/>
-              <a:t>05/03/2017</a:t>
+              <a:t>06/03/2017</a:t>
             </a:fld>
             <a:endParaRPr lang="fr-FR"/>
           </a:p>
@@ -1022,7 +1022,7 @@
           <a:p>
             <a:fld id="{36FB5FDB-D942-4233-85F6-E674FD3873E2}" type="datetime1">
               <a:rPr lang="fr-FR" smtClean="0"/>
-              <a:t>05/03/2017</a:t>
+              <a:t>06/03/2017</a:t>
             </a:fld>
             <a:endParaRPr lang="fr-FR"/>
           </a:p>
@@ -1216,7 +1216,7 @@
           <a:p>
             <a:fld id="{74AC9523-99B2-4D36-B2DE-76BFA389E768}" type="datetime1">
               <a:rPr lang="fr-FR" smtClean="0"/>
-              <a:t>05/03/2017</a:t>
+              <a:t>06/03/2017</a:t>
             </a:fld>
             <a:endParaRPr lang="fr-FR"/>
           </a:p>
@@ -1489,7 +1489,7 @@
           <a:p>
             <a:fld id="{D3EC9751-7D26-46E7-A8CA-7D49EB74B8A6}" type="datetime1">
               <a:rPr lang="fr-FR" smtClean="0"/>
-              <a:t>05/03/2017</a:t>
+              <a:t>06/03/2017</a:t>
             </a:fld>
             <a:endParaRPr lang="fr-FR"/>
           </a:p>
@@ -1830,7 +1830,7 @@
           <a:p>
             <a:fld id="{7F79E1A5-4BDB-4B22-9C25-862B1083C76A}" type="datetime1">
               <a:rPr lang="fr-FR" smtClean="0"/>
-              <a:t>05/03/2017</a:t>
+              <a:t>06/03/2017</a:t>
             </a:fld>
             <a:endParaRPr lang="fr-FR"/>
           </a:p>
@@ -2453,7 +2453,7 @@
           <a:p>
             <a:fld id="{39FBF3A3-1DE7-4303-A39E-5BFBD09FDACE}" type="datetime1">
               <a:rPr lang="fr-FR" smtClean="0"/>
-              <a:t>05/03/2017</a:t>
+              <a:t>06/03/2017</a:t>
             </a:fld>
             <a:endParaRPr lang="fr-FR"/>
           </a:p>
@@ -3313,7 +3313,7 @@
           <a:p>
             <a:fld id="{313F0069-BFB3-419F-9C77-292C5F88CE5F}" type="datetime1">
               <a:rPr lang="fr-FR" smtClean="0"/>
-              <a:t>05/03/2017</a:t>
+              <a:t>06/03/2017</a:t>
             </a:fld>
             <a:endParaRPr lang="fr-FR"/>
           </a:p>
@@ -3483,7 +3483,7 @@
           <a:p>
             <a:fld id="{ED25E127-8AA2-44A8-B642-E295A78946E5}" type="datetime1">
               <a:rPr lang="fr-FR" smtClean="0"/>
-              <a:t>05/03/2017</a:t>
+              <a:t>06/03/2017</a:t>
             </a:fld>
             <a:endParaRPr lang="fr-FR"/>
           </a:p>
@@ -3663,7 +3663,7 @@
           <a:p>
             <a:fld id="{014B6BA5-353E-4EE0-BC7C-98456B0F9795}" type="datetime1">
               <a:rPr lang="fr-FR" smtClean="0"/>
-              <a:t>05/03/2017</a:t>
+              <a:t>06/03/2017</a:t>
             </a:fld>
             <a:endParaRPr lang="fr-FR"/>
           </a:p>
@@ -3833,7 +3833,7 @@
           <a:p>
             <a:fld id="{4AED3472-AC35-4B67-B7CE-3095BA3D04F2}" type="datetime1">
               <a:rPr lang="fr-FR" smtClean="0"/>
-              <a:t>05/03/2017</a:t>
+              <a:t>06/03/2017</a:t>
             </a:fld>
             <a:endParaRPr lang="fr-FR"/>
           </a:p>
@@ -4080,7 +4080,7 @@
           <a:p>
             <a:fld id="{40D1DC21-874F-4316-B6BB-226090937492}" type="datetime1">
               <a:rPr lang="fr-FR" smtClean="0"/>
-              <a:t>05/03/2017</a:t>
+              <a:t>06/03/2017</a:t>
             </a:fld>
             <a:endParaRPr lang="fr-FR"/>
           </a:p>
@@ -4372,7 +4372,7 @@
           <a:p>
             <a:fld id="{B9C469CC-9D18-4334-8C3D-7D86D6378DBA}" type="datetime1">
               <a:rPr lang="fr-FR" smtClean="0"/>
-              <a:t>05/03/2017</a:t>
+              <a:t>06/03/2017</a:t>
             </a:fld>
             <a:endParaRPr lang="fr-FR"/>
           </a:p>
@@ -4816,7 +4816,7 @@
           <a:p>
             <a:fld id="{21CF6FFB-9705-4404-891E-24B2B52656A1}" type="datetime1">
               <a:rPr lang="fr-FR" smtClean="0"/>
-              <a:t>05/03/2017</a:t>
+              <a:t>06/03/2017</a:t>
             </a:fld>
             <a:endParaRPr lang="fr-FR"/>
           </a:p>
@@ -4934,7 +4934,7 @@
           <a:p>
             <a:fld id="{8F58F90F-5D46-4C71-B875-4425D8CD0B79}" type="datetime1">
               <a:rPr lang="fr-FR" smtClean="0"/>
-              <a:t>05/03/2017</a:t>
+              <a:t>06/03/2017</a:t>
             </a:fld>
             <a:endParaRPr lang="fr-FR"/>
           </a:p>
@@ -5029,7 +5029,7 @@
           <a:p>
             <a:fld id="{88657727-E9CB-4906-9193-AFCAD2D41CDD}" type="datetime1">
               <a:rPr lang="fr-FR" smtClean="0"/>
-              <a:t>05/03/2017</a:t>
+              <a:t>06/03/2017</a:t>
             </a:fld>
             <a:endParaRPr lang="fr-FR"/>
           </a:p>
@@ -5308,7 +5308,7 @@
           <a:p>
             <a:fld id="{C91A6120-DF5F-4394-917E-0234F612269F}" type="datetime1">
               <a:rPr lang="fr-FR" smtClean="0"/>
-              <a:t>05/03/2017</a:t>
+              <a:t>06/03/2017</a:t>
             </a:fld>
             <a:endParaRPr lang="fr-FR"/>
           </a:p>
@@ -5583,7 +5583,7 @@
           <a:p>
             <a:fld id="{A9D52B1A-0A84-4EBB-9F69-A97EBE3994BD}" type="datetime1">
               <a:rPr lang="fr-FR" smtClean="0"/>
-              <a:t>05/03/2017</a:t>
+              <a:t>06/03/2017</a:t>
             </a:fld>
             <a:endParaRPr lang="fr-FR"/>
           </a:p>
@@ -6012,7 +6012,7 @@
           <a:p>
             <a:fld id="{A2E0D1CE-FC45-4BE6-8880-5FC15DF0F0F5}" type="datetime1">
               <a:rPr lang="fr-FR" smtClean="0"/>
-              <a:t>05/03/2017</a:t>
+              <a:t>06/03/2017</a:t>
             </a:fld>
             <a:endParaRPr lang="fr-FR"/>
           </a:p>
@@ -7274,7 +7274,25 @@
             <a:pPr lvl="2"/>
             <a:r>
               <a:rPr lang="fr-FR" sz="2000" dirty="0" smtClean="0"/>
-              <a:t>Partie admin</a:t>
+              <a:t>Partie </a:t>
+            </a:r>
+            <a:r>
+              <a:rPr lang="fr-FR" sz="2000" dirty="0" smtClean="0"/>
+              <a:t>admin</a:t>
+            </a:r>
+          </a:p>
+          <a:p>
+            <a:pPr lvl="2"/>
+            <a:r>
+              <a:rPr lang="fr-FR" sz="2000" dirty="0" smtClean="0"/>
+              <a:t>Confirmation de l’e-mail lors de l’inscription</a:t>
+            </a:r>
+          </a:p>
+          <a:p>
+            <a:pPr lvl="2"/>
+            <a:r>
+              <a:rPr lang="fr-FR" sz="2000" smtClean="0"/>
+              <a:t>Note d’objet</a:t>
             </a:r>
             <a:endParaRPr lang="fr-FR" sz="2000" dirty="0" smtClean="0"/>
           </a:p>
@@ -8274,7 +8292,7 @@
           <a:graphicData uri="http://schemas.openxmlformats.org/presentationml/2006/ole">
             <mc:AlternateContent xmlns:mc="http://schemas.openxmlformats.org/markup-compatibility/2006">
               <mc:Choice xmlns:v="urn:schemas-microsoft-com:vml" Requires="v">
-                <p:oleObj spid="_x0000_s1030" name="Worksheet" r:id="rId4" imgW="8105871" imgH="1342889" progId="Excel.Sheet.12">
+                <p:oleObj spid="_x0000_s1032" name="Worksheet" r:id="rId4" imgW="8105871" imgH="1342889" progId="Excel.Sheet.12">
                   <p:embed/>
                 </p:oleObj>
               </mc:Choice>
